--- a/Lessons/I_CreditModeling/B_NonTraditionalMkts.pptx
+++ b/Lessons/I_CreditModeling/B_NonTraditionalMkts.pptx
@@ -221,7 +221,7 @@
           <a:p>
             <a:fld id="{B0C0A60C-850A-4EA4-9C14-A8FE98B94505}" type="datetimeFigureOut">
               <a:rPr lang="en-US" smtClean="0"/>
-              <a:t>3/31/24</a:t>
+              <a:t>11/11/24</a:t>
             </a:fld>
             <a:endParaRPr lang="en-US"/>
           </a:p>
@@ -791,7 +791,7 @@
           <a:p>
             <a:fld id="{5738B90E-0779-4C36-915C-6F05FCD89456}" type="datetime1">
               <a:rPr lang="en-US" smtClean="0"/>
-              <a:t>3/31/24</a:t>
+              <a:t>11/11/24</a:t>
             </a:fld>
             <a:endParaRPr lang="en-US"/>
           </a:p>
@@ -1009,7 +1009,7 @@
           <a:p>
             <a:fld id="{7B9EA29D-D431-42FE-B7B6-AAE4454C77D3}" type="datetime1">
               <a:rPr lang="en-US" smtClean="0"/>
-              <a:t>3/31/24</a:t>
+              <a:t>11/11/24</a:t>
             </a:fld>
             <a:endParaRPr lang="en-US"/>
           </a:p>
@@ -1269,7 +1269,7 @@
           <a:p>
             <a:fld id="{690D8A1E-EA8F-46C1-B891-AE0C00D9C314}" type="datetime1">
               <a:rPr lang="en-US" smtClean="0"/>
-              <a:t>3/31/24</a:t>
+              <a:t>11/11/24</a:t>
             </a:fld>
             <a:endParaRPr lang="en-US"/>
           </a:p>
@@ -1785,7 +1785,7 @@
           <a:p>
             <a:fld id="{DAB365D0-5BFF-4591-B84D-8953AC9A16AD}" type="datetime1">
               <a:rPr lang="en-US" smtClean="0"/>
-              <a:t>3/31/24</a:t>
+              <a:t>11/11/24</a:t>
             </a:fld>
             <a:endParaRPr lang="en-US" dirty="0"/>
           </a:p>
@@ -2019,7 +2019,7 @@
           <a:p>
             <a:fld id="{D753EFC8-4232-4598-94F6-94C0EBAFC469}" type="datetime1">
               <a:rPr lang="en-US" smtClean="0"/>
-              <a:t>3/31/24</a:t>
+              <a:t>11/11/24</a:t>
             </a:fld>
             <a:endParaRPr lang="en-US"/>
           </a:p>
@@ -2334,7 +2334,7 @@
           <a:p>
             <a:fld id="{F3161074-1C18-4AE7-957D-F18524378C85}" type="datetime1">
               <a:rPr lang="en-US" smtClean="0"/>
-              <a:t>3/31/24</a:t>
+              <a:t>11/11/24</a:t>
             </a:fld>
             <a:endParaRPr lang="en-US"/>
           </a:p>
@@ -2608,7 +2608,7 @@
           <a:p>
             <a:fld id="{69BE256C-8D9A-4404-B47D-41A1AE514425}" type="datetime1">
               <a:rPr lang="en-US" smtClean="0"/>
-              <a:t>3/31/24</a:t>
+              <a:t>11/11/24</a:t>
             </a:fld>
             <a:endParaRPr lang="en-US"/>
           </a:p>
@@ -3042,7 +3042,7 @@
           <a:p>
             <a:fld id="{66CB2154-9035-4012-8189-BAAB61C5A5EE}" type="datetime1">
               <a:rPr lang="en-US" smtClean="0"/>
-              <a:t>3/31/24</a:t>
+              <a:t>11/11/24</a:t>
             </a:fld>
             <a:endParaRPr lang="en-US"/>
           </a:p>
@@ -3216,7 +3216,7 @@
           <a:p>
             <a:fld id="{6700A58B-DD98-43D0-B791-721480A02982}" type="datetime1">
               <a:rPr lang="en-US" smtClean="0"/>
-              <a:t>3/31/24</a:t>
+              <a:t>11/11/24</a:t>
             </a:fld>
             <a:endParaRPr lang="en-US"/>
           </a:p>
@@ -3408,7 +3408,7 @@
           <a:p>
             <a:fld id="{7DB6E382-4F61-4E24-BE1A-377EC83D0E3A}" type="datetime1">
               <a:rPr lang="en-US" smtClean="0"/>
-              <a:t>3/31/24</a:t>
+              <a:t>11/11/24</a:t>
             </a:fld>
             <a:endParaRPr lang="en-US"/>
           </a:p>
@@ -3719,7 +3719,7 @@
           <a:p>
             <a:fld id="{4142EED6-FC16-45B9-B8C4-2BC5DBA88325}" type="datetime1">
               <a:rPr lang="en-US" smtClean="0"/>
-              <a:t>3/31/24</a:t>
+              <a:t>11/11/24</a:t>
             </a:fld>
             <a:endParaRPr lang="en-US"/>
           </a:p>
@@ -4037,7 +4037,7 @@
           <a:p>
             <a:fld id="{DF59512B-4F1D-43D7-8819-2F53FEF69650}" type="datetime1">
               <a:rPr lang="en-US" smtClean="0"/>
-              <a:t>3/31/24</a:t>
+              <a:t>11/11/24</a:t>
             </a:fld>
             <a:endParaRPr lang="en-US"/>
           </a:p>
@@ -4313,7 +4313,7 @@
           <a:p>
             <a:fld id="{08437B94-E2BF-44DC-ADC5-B05FC9934E9D}" type="datetime1">
               <a:rPr lang="en-US" smtClean="0"/>
-              <a:t>3/31/24</a:t>
+              <a:t>11/11/24</a:t>
             </a:fld>
             <a:endParaRPr lang="en-US"/>
           </a:p>
@@ -4839,7 +4839,7 @@
           <a:p>
             <a:fld id="{5738B90E-0779-4C36-915C-6F05FCD89456}" type="datetime1">
               <a:rPr lang="en-US" smtClean="0"/>
-              <a:t>3/31/24</a:t>
+              <a:t>11/11/24</a:t>
             </a:fld>
             <a:endParaRPr lang="en-US"/>
           </a:p>
@@ -4973,7 +4973,7 @@
           <a:p>
             <a:fld id="{6700A58B-DD98-43D0-B791-721480A02982}" type="datetime1">
               <a:rPr lang="en-US" smtClean="0"/>
-              <a:t>3/31/24</a:t>
+              <a:t>11/11/24</a:t>
             </a:fld>
             <a:endParaRPr lang="en-US"/>
           </a:p>
@@ -5189,7 +5189,7 @@
           <a:p>
             <a:fld id="{6700A58B-DD98-43D0-B791-721480A02982}" type="datetime1">
               <a:rPr lang="en-US" smtClean="0"/>
-              <a:t>3/31/24</a:t>
+              <a:t>11/11/24</a:t>
             </a:fld>
             <a:endParaRPr lang="en-US"/>
           </a:p>
@@ -5691,7 +5691,7 @@
           <a:p>
             <a:fld id="{D753EFC8-4232-4598-94F6-94C0EBAFC469}" type="datetime1">
               <a:rPr lang="en-US" smtClean="0"/>
-              <a:t>3/31/24</a:t>
+              <a:t>11/11/24</a:t>
             </a:fld>
             <a:endParaRPr lang="en-US"/>
           </a:p>
@@ -6189,7 +6189,7 @@
           <a:p>
             <a:fld id="{6700A58B-DD98-43D0-B791-721480A02982}" type="datetime1">
               <a:rPr lang="en-US" smtClean="0"/>
-              <a:t>3/31/24</a:t>
+              <a:t>11/11/24</a:t>
             </a:fld>
             <a:endParaRPr lang="en-US"/>
           </a:p>
@@ -6408,7 +6408,7 @@
           <a:p>
             <a:fld id="{6700A58B-DD98-43D0-B791-721480A02982}" type="datetime1">
               <a:rPr lang="en-US" smtClean="0"/>
-              <a:t>3/31/24</a:t>
+              <a:t>11/11/24</a:t>
             </a:fld>
             <a:endParaRPr lang="en-US"/>
           </a:p>
@@ -6671,7 +6671,7 @@
           <a:p>
             <a:fld id="{6700A58B-DD98-43D0-B791-721480A02982}" type="datetime1">
               <a:rPr lang="en-US" smtClean="0"/>
-              <a:t>3/31/24</a:t>
+              <a:t>11/11/24</a:t>
             </a:fld>
             <a:endParaRPr lang="en-US"/>
           </a:p>
@@ -7157,7 +7157,7 @@
           <a:p>
             <a:fld id="{6700A58B-DD98-43D0-B791-721480A02982}" type="datetime1">
               <a:rPr lang="en-US" smtClean="0"/>
-              <a:t>3/31/24</a:t>
+              <a:t>11/11/24</a:t>
             </a:fld>
             <a:endParaRPr lang="en-US"/>
           </a:p>
@@ -7312,7 +7312,7 @@
           <a:p>
             <a:fld id="{6700A58B-DD98-43D0-B791-721480A02982}" type="datetime1">
               <a:rPr lang="en-US" smtClean="0"/>
-              <a:t>3/31/24</a:t>
+              <a:t>11/11/24</a:t>
             </a:fld>
             <a:endParaRPr lang="en-US"/>
           </a:p>
@@ -7533,7 +7533,7 @@
           <a:p>
             <a:fld id="{6700A58B-DD98-43D0-B791-721480A02982}" type="datetime1">
               <a:rPr lang="en-US" smtClean="0"/>
-              <a:t>3/31/24</a:t>
+              <a:t>11/11/24</a:t>
             </a:fld>
             <a:endParaRPr lang="en-US"/>
           </a:p>
@@ -7738,7 +7738,7 @@
           <a:p>
             <a:fld id="{6700A58B-DD98-43D0-B791-721480A02982}" type="datetime1">
               <a:rPr lang="en-US" smtClean="0"/>
-              <a:t>3/31/24</a:t>
+              <a:t>11/11/24</a:t>
             </a:fld>
             <a:endParaRPr lang="en-US"/>
           </a:p>
@@ -8044,7 +8044,7 @@
           <a:p>
             <a:fld id="{6700A58B-DD98-43D0-B791-721480A02982}" type="datetime1">
               <a:rPr lang="en-US" smtClean="0"/>
-              <a:t>3/31/24</a:t>
+              <a:t>11/11/24</a:t>
             </a:fld>
             <a:endParaRPr lang="en-US"/>
           </a:p>
@@ -8403,7 +8403,7 @@
           <a:p>
             <a:fld id="{6700A58B-DD98-43D0-B791-721480A02982}" type="datetime1">
               <a:rPr lang="en-US" smtClean="0"/>
-              <a:t>3/31/24</a:t>
+              <a:t>11/11/24</a:t>
             </a:fld>
             <a:endParaRPr lang="en-US"/>
           </a:p>
@@ -8690,15 +8690,7 @@
             <a:pPr algn="ctr"/>
             <a:r>
               <a:rPr lang="en-US" dirty="0"/>
-              <a:t>When </a:t>
-            </a:r>
-            <a:r>
-              <a:rPr lang="en-US" dirty="0" err="1"/>
-              <a:t>Karn</a:t>
-            </a:r>
-            <a:r>
-              <a:rPr lang="en-US" dirty="0"/>
-              <a:t> Scion of </a:t>
+              <a:t>When Karn Scion of </a:t>
             </a:r>
             <a:r>
               <a:rPr lang="en-US" dirty="0" err="1"/>
@@ -8706,7 +8698,7 @@
             </a:r>
             <a:r>
               <a:rPr lang="en-US" dirty="0"/>
-              <a:t> came out it was a $40 card.  At the time you could get it in a number of ways.</a:t>
+              <a:t> came out you could get it in a number of ways.</a:t>
             </a:r>
           </a:p>
         </p:txBody>
@@ -8782,7 +8774,7 @@
           <a:p>
             <a:fld id="{6700A58B-DD98-43D0-B791-721480A02982}" type="datetime1">
               <a:rPr lang="en-US" smtClean="0"/>
-              <a:t>3/31/24</a:t>
+              <a:t>11/11/24</a:t>
             </a:fld>
             <a:endParaRPr lang="en-US"/>
           </a:p>
